--- a/20277 Database systems/Exams/Exam 4.pptx
+++ b/20277 Database systems/Exams/Exam 4.pptx
@@ -297,7 +297,7 @@
           <a:p>
             <a:fld id="{3AAC939E-9B95-4527-9992-0A2620AB6C7A}" type="datetimeFigureOut">
               <a:rPr lang="en-US" smtClean="0"/>
-              <a:t>5/3/2016</a:t>
+              <a:t>5/17/2016</a:t>
             </a:fld>
             <a:endParaRPr lang="en-US"/>
           </a:p>
@@ -467,7 +467,7 @@
           <a:p>
             <a:fld id="{3AAC939E-9B95-4527-9992-0A2620AB6C7A}" type="datetimeFigureOut">
               <a:rPr lang="en-US" smtClean="0"/>
-              <a:t>5/3/2016</a:t>
+              <a:t>5/17/2016</a:t>
             </a:fld>
             <a:endParaRPr lang="en-US"/>
           </a:p>
@@ -647,7 +647,7 @@
           <a:p>
             <a:fld id="{3AAC939E-9B95-4527-9992-0A2620AB6C7A}" type="datetimeFigureOut">
               <a:rPr lang="en-US" smtClean="0"/>
-              <a:t>5/3/2016</a:t>
+              <a:t>5/17/2016</a:t>
             </a:fld>
             <a:endParaRPr lang="en-US"/>
           </a:p>
@@ -817,7 +817,7 @@
           <a:p>
             <a:fld id="{3AAC939E-9B95-4527-9992-0A2620AB6C7A}" type="datetimeFigureOut">
               <a:rPr lang="en-US" smtClean="0"/>
-              <a:t>5/3/2016</a:t>
+              <a:t>5/17/2016</a:t>
             </a:fld>
             <a:endParaRPr lang="en-US"/>
           </a:p>
@@ -1063,7 +1063,7 @@
           <a:p>
             <a:fld id="{3AAC939E-9B95-4527-9992-0A2620AB6C7A}" type="datetimeFigureOut">
               <a:rPr lang="en-US" smtClean="0"/>
-              <a:t>5/3/2016</a:t>
+              <a:t>5/17/2016</a:t>
             </a:fld>
             <a:endParaRPr lang="en-US"/>
           </a:p>
@@ -1351,7 +1351,7 @@
           <a:p>
             <a:fld id="{3AAC939E-9B95-4527-9992-0A2620AB6C7A}" type="datetimeFigureOut">
               <a:rPr lang="en-US" smtClean="0"/>
-              <a:t>5/3/2016</a:t>
+              <a:t>5/17/2016</a:t>
             </a:fld>
             <a:endParaRPr lang="en-US"/>
           </a:p>
@@ -1773,7 +1773,7 @@
           <a:p>
             <a:fld id="{3AAC939E-9B95-4527-9992-0A2620AB6C7A}" type="datetimeFigureOut">
               <a:rPr lang="en-US" smtClean="0"/>
-              <a:t>5/3/2016</a:t>
+              <a:t>5/17/2016</a:t>
             </a:fld>
             <a:endParaRPr lang="en-US"/>
           </a:p>
@@ -1891,7 +1891,7 @@
           <a:p>
             <a:fld id="{3AAC939E-9B95-4527-9992-0A2620AB6C7A}" type="datetimeFigureOut">
               <a:rPr lang="en-US" smtClean="0"/>
-              <a:t>5/3/2016</a:t>
+              <a:t>5/17/2016</a:t>
             </a:fld>
             <a:endParaRPr lang="en-US"/>
           </a:p>
@@ -1986,7 +1986,7 @@
           <a:p>
             <a:fld id="{3AAC939E-9B95-4527-9992-0A2620AB6C7A}" type="datetimeFigureOut">
               <a:rPr lang="en-US" smtClean="0"/>
-              <a:t>5/3/2016</a:t>
+              <a:t>5/17/2016</a:t>
             </a:fld>
             <a:endParaRPr lang="en-US"/>
           </a:p>
@@ -2263,7 +2263,7 @@
           <a:p>
             <a:fld id="{3AAC939E-9B95-4527-9992-0A2620AB6C7A}" type="datetimeFigureOut">
               <a:rPr lang="en-US" smtClean="0"/>
-              <a:t>5/3/2016</a:t>
+              <a:t>5/17/2016</a:t>
             </a:fld>
             <a:endParaRPr lang="en-US"/>
           </a:p>
@@ -2516,7 +2516,7 @@
           <a:p>
             <a:fld id="{3AAC939E-9B95-4527-9992-0A2620AB6C7A}" type="datetimeFigureOut">
               <a:rPr lang="en-US" smtClean="0"/>
-              <a:t>5/3/2016</a:t>
+              <a:t>5/17/2016</a:t>
             </a:fld>
             <a:endParaRPr lang="en-US"/>
           </a:p>
@@ -2729,7 +2729,7 @@
           <a:p>
             <a:fld id="{3AAC939E-9B95-4527-9992-0A2620AB6C7A}" type="datetimeFigureOut">
               <a:rPr lang="en-US" smtClean="0"/>
-              <a:t>5/3/2016</a:t>
+              <a:t>5/17/2016</a:t>
             </a:fld>
             <a:endParaRPr lang="en-US"/>
           </a:p>
@@ -3921,7 +3921,15 @@
             </a:pPr>
             <a:r>
               <a:rPr lang="en-US" sz="1400" dirty="0" smtClean="0"/>
-              <a:t>select * from article where  endpage-startpage = (select  max(</a:t>
+              <a:t>select * from article where  </a:t>
+            </a:r>
+            <a:r>
+              <a:rPr lang="en-US" sz="1400" dirty="0" err="1" smtClean="0"/>
+              <a:t>endpage-startpage</a:t>
+            </a:r>
+            <a:r>
+              <a:rPr lang="en-US" sz="1400" dirty="0" smtClean="0"/>
+              <a:t> = (select  max(</a:t>
             </a:r>
             <a:r>
               <a:rPr lang="en-US" sz="1400" dirty="0" err="1" smtClean="0"/>
@@ -3929,7 +3937,15 @@
             </a:r>
             <a:r>
               <a:rPr lang="en-US" sz="1400" dirty="0" smtClean="0"/>
-              <a:t> - startpage) as mmm  from article)</a:t>
+              <a:t> - </a:t>
+            </a:r>
+            <a:r>
+              <a:rPr lang="en-US" sz="1400" dirty="0" err="1" smtClean="0"/>
+              <a:t>startpage</a:t>
+            </a:r>
+            <a:r>
+              <a:rPr lang="en-US" sz="1400" dirty="0" smtClean="0"/>
+              <a:t>) as mmm  from article)</a:t>
             </a:r>
             <a:endParaRPr lang="en-US" sz="1400" dirty="0"/>
           </a:p>
@@ -5123,15 +5139,7 @@
             </a:pPr>
             <a:r>
               <a:rPr lang="en-US" sz="1600" dirty="0" smtClean="0"/>
-              <a:t>select </a:t>
-            </a:r>
-            <a:r>
-              <a:rPr lang="en-US" sz="1600" dirty="0" smtClean="0"/>
-              <a:t>subresult</a:t>
-            </a:r>
-            <a:r>
-              <a:rPr lang="en-US" sz="1600" dirty="0" smtClean="0"/>
-              <a:t>.* from (</a:t>
+              <a:t>select subresult.* from (</a:t>
             </a:r>
           </a:p>
           <a:p>
